--- a/Relatorio/image/PESTA/flowchart/Interrupt_2.pptx
+++ b/Relatorio/image/PESTA/flowchart/Interrupt_2.pptx
@@ -269,7 +269,7 @@
           <a:p>
             <a:fld id="{486408F3-248D-4767-B5FA-BB4B09811B03}" type="datetimeFigureOut">
               <a:rPr lang="en-GB" smtClean="0"/>
-              <a:t>08/05/2021</a:t>
+              <a:t>21/06/2021</a:t>
             </a:fld>
             <a:endParaRPr lang="en-GB"/>
           </a:p>
@@ -469,7 +469,7 @@
           <a:p>
             <a:fld id="{486408F3-248D-4767-B5FA-BB4B09811B03}" type="datetimeFigureOut">
               <a:rPr lang="en-GB" smtClean="0"/>
-              <a:t>08/05/2021</a:t>
+              <a:t>21/06/2021</a:t>
             </a:fld>
             <a:endParaRPr lang="en-GB"/>
           </a:p>
@@ -679,7 +679,7 @@
           <a:p>
             <a:fld id="{486408F3-248D-4767-B5FA-BB4B09811B03}" type="datetimeFigureOut">
               <a:rPr lang="en-GB" smtClean="0"/>
-              <a:t>08/05/2021</a:t>
+              <a:t>21/06/2021</a:t>
             </a:fld>
             <a:endParaRPr lang="en-GB"/>
           </a:p>
@@ -879,7 +879,7 @@
           <a:p>
             <a:fld id="{486408F3-248D-4767-B5FA-BB4B09811B03}" type="datetimeFigureOut">
               <a:rPr lang="en-GB" smtClean="0"/>
-              <a:t>08/05/2021</a:t>
+              <a:t>21/06/2021</a:t>
             </a:fld>
             <a:endParaRPr lang="en-GB"/>
           </a:p>
@@ -1155,7 +1155,7 @@
           <a:p>
             <a:fld id="{486408F3-248D-4767-B5FA-BB4B09811B03}" type="datetimeFigureOut">
               <a:rPr lang="en-GB" smtClean="0"/>
-              <a:t>08/05/2021</a:t>
+              <a:t>21/06/2021</a:t>
             </a:fld>
             <a:endParaRPr lang="en-GB"/>
           </a:p>
@@ -1423,7 +1423,7 @@
           <a:p>
             <a:fld id="{486408F3-248D-4767-B5FA-BB4B09811B03}" type="datetimeFigureOut">
               <a:rPr lang="en-GB" smtClean="0"/>
-              <a:t>08/05/2021</a:t>
+              <a:t>21/06/2021</a:t>
             </a:fld>
             <a:endParaRPr lang="en-GB"/>
           </a:p>
@@ -1838,7 +1838,7 @@
           <a:p>
             <a:fld id="{486408F3-248D-4767-B5FA-BB4B09811B03}" type="datetimeFigureOut">
               <a:rPr lang="en-GB" smtClean="0"/>
-              <a:t>08/05/2021</a:t>
+              <a:t>21/06/2021</a:t>
             </a:fld>
             <a:endParaRPr lang="en-GB"/>
           </a:p>
@@ -1980,7 +1980,7 @@
           <a:p>
             <a:fld id="{486408F3-248D-4767-B5FA-BB4B09811B03}" type="datetimeFigureOut">
               <a:rPr lang="en-GB" smtClean="0"/>
-              <a:t>08/05/2021</a:t>
+              <a:t>21/06/2021</a:t>
             </a:fld>
             <a:endParaRPr lang="en-GB"/>
           </a:p>
@@ -2093,7 +2093,7 @@
           <a:p>
             <a:fld id="{486408F3-248D-4767-B5FA-BB4B09811B03}" type="datetimeFigureOut">
               <a:rPr lang="en-GB" smtClean="0"/>
-              <a:t>08/05/2021</a:t>
+              <a:t>21/06/2021</a:t>
             </a:fld>
             <a:endParaRPr lang="en-GB"/>
           </a:p>
@@ -2406,7 +2406,7 @@
           <a:p>
             <a:fld id="{486408F3-248D-4767-B5FA-BB4B09811B03}" type="datetimeFigureOut">
               <a:rPr lang="en-GB" smtClean="0"/>
-              <a:t>08/05/2021</a:t>
+              <a:t>21/06/2021</a:t>
             </a:fld>
             <a:endParaRPr lang="en-GB"/>
           </a:p>
@@ -2695,7 +2695,7 @@
           <a:p>
             <a:fld id="{486408F3-248D-4767-B5FA-BB4B09811B03}" type="datetimeFigureOut">
               <a:rPr lang="en-GB" smtClean="0"/>
-              <a:t>08/05/2021</a:t>
+              <a:t>21/06/2021</a:t>
             </a:fld>
             <a:endParaRPr lang="en-GB"/>
           </a:p>
@@ -2938,7 +2938,7 @@
           <a:p>
             <a:fld id="{486408F3-248D-4767-B5FA-BB4B09811B03}" type="datetimeFigureOut">
               <a:rPr lang="en-GB" smtClean="0"/>
-              <a:t>08/05/2021</a:t>
+              <a:t>21/06/2021</a:t>
             </a:fld>
             <a:endParaRPr lang="en-GB"/>
           </a:p>
@@ -3404,6 +3404,22 @@
           <a:p>
             <a:pPr algn="ctr"/>
             <a:r>
+              <a:rPr lang="pt-PT" sz="1050" b="1" dirty="0">
+                <a:ln w="0"/>
+                <a:solidFill>
+                  <a:schemeClr val="tx1"/>
+                </a:solidFill>
+                <a:effectLst>
+                  <a:outerShdw blurRad="38100" dist="19050" dir="2700000" algn="tl" rotWithShape="0">
+                    <a:schemeClr val="dk1">
+                      <a:alpha val="40000"/>
+                    </a:schemeClr>
+                  </a:outerShdw>
+                </a:effectLst>
+              </a:rPr>
+              <a:t>I</a:t>
+            </a:r>
+            <a:r>
               <a:rPr lang="en-GB" sz="1050" b="1" dirty="0">
                 <a:ln w="0"/>
                 <a:solidFill>
@@ -3417,7 +3433,7 @@
                   </a:outerShdw>
                 </a:effectLst>
               </a:rPr>
-              <a:t>START</a:t>
+              <a:t>NICIO</a:t>
             </a:r>
             <a:endParaRPr lang="en-GB" sz="1050" b="1" dirty="0"/>
           </a:p>
@@ -3472,6 +3488,22 @@
           <a:p>
             <a:pPr algn="ctr"/>
             <a:r>
+              <a:rPr lang="pt-PT" sz="1050" b="1" dirty="0">
+                <a:ln w="0"/>
+                <a:solidFill>
+                  <a:schemeClr val="tx1"/>
+                </a:solidFill>
+                <a:effectLst>
+                  <a:outerShdw blurRad="38100" dist="19050" dir="2700000" algn="tl" rotWithShape="0">
+                    <a:schemeClr val="dk1">
+                      <a:alpha val="40000"/>
+                    </a:schemeClr>
+                  </a:outerShdw>
+                </a:effectLst>
+              </a:rPr>
+              <a:t>F</a:t>
+            </a:r>
+            <a:r>
               <a:rPr lang="en-GB" sz="1050" b="1" dirty="0">
                 <a:ln w="0"/>
                 <a:solidFill>
@@ -3485,7 +3517,7 @@
                   </a:outerShdw>
                 </a:effectLst>
               </a:rPr>
-              <a:t>END</a:t>
+              <a:t>IM</a:t>
             </a:r>
             <a:endParaRPr lang="en-GB" sz="1050" b="1" dirty="0"/>
           </a:p>
@@ -3505,8 +3537,8 @@
         </p:nvSpPr>
         <p:spPr>
           <a:xfrm>
-            <a:off x="5325607" y="2606208"/>
-            <a:ext cx="1326985" cy="958628"/>
+            <a:off x="5261317" y="2606208"/>
+            <a:ext cx="1463040" cy="958628"/>
           </a:xfrm>
           <a:prstGeom prst="flowChartProcess">
             <a:avLst/>
@@ -3545,7 +3577,7 @@
                   <a:schemeClr val="tx1"/>
                 </a:solidFill>
               </a:rPr>
-              <a:t>INTERRUPT 2</a:t>
+              <a:t>INTERRUPÇÃO 2</a:t>
             </a:r>
           </a:p>
         </p:txBody>
@@ -3569,7 +3601,7 @@
         <p:spPr>
           <a:xfrm>
             <a:off x="5989100" y="2280700"/>
-            <a:ext cx="0" cy="325508"/>
+            <a:ext cx="3737" cy="325508"/>
           </a:xfrm>
           <a:prstGeom prst="straightConnector1">
             <a:avLst/>
@@ -3606,6 +3638,7 @@
             </a:extLst>
           </p:cNvPr>
           <p:cNvCxnSpPr>
+            <a:cxnSpLocks/>
             <a:stCxn id="4" idx="2"/>
             <a:endCxn id="3" idx="0"/>
           </p:cNvCxnSpPr>
@@ -3614,7 +3647,7 @@
         <p:spPr>
           <a:xfrm flipH="1">
             <a:off x="5989099" y="3564836"/>
-            <a:ext cx="1" cy="325508"/>
+            <a:ext cx="3738" cy="325508"/>
           </a:xfrm>
           <a:prstGeom prst="straightConnector1">
             <a:avLst/>
